--- a/figures/类神经元的MANET网络1.6-同济大学.pptx
+++ b/figures/类神经元的MANET网络1.6-同济大学.pptx
@@ -6091,7 +6091,7 @@
                 </a:solidFill>
                 <a:latin typeface="Calibri"/>
               </a:rPr>
-              <a:t>7/2/2018</a:t>
+              <a:t>7/3/2018</a:t>
             </a:fld>
             <a:endParaRPr lang="en-US" sz="1200" b="0" strike="noStrike" spc="-1">
               <a:latin typeface="Times New Roman"/>
@@ -6936,7 +6936,7 @@
                 </a:solidFill>
                 <a:latin typeface="Calibri"/>
               </a:rPr>
-              <a:t>7/2/2018</a:t>
+              <a:t>7/3/2018</a:t>
             </a:fld>
             <a:endParaRPr lang="en-US" sz="1200" b="0" strike="noStrike" spc="-1">
               <a:latin typeface="Times New Roman"/>
@@ -13990,13 +13990,6 @@
   <p:transition>
     <p:wipe dir="r"/>
   </p:transition>
-  <p:timing>
-    <p:tnLst>
-      <p:par>
-        <p:cTn id="1" dur="indefinite" restart="never" nodeType="tmRoot"/>
-      </p:par>
-    </p:tnLst>
-  </p:timing>
 </p:sld>
 </file>
 
@@ -22856,13 +22849,6 @@
   <p:transition>
     <p:wipe dir="r"/>
   </p:transition>
-  <p:timing>
-    <p:tnLst>
-      <p:par>
-        <p:cTn id="1" dur="indefinite" restart="never" nodeType="tmRoot"/>
-      </p:par>
-    </p:tnLst>
-  </p:timing>
 </p:sld>
 </file>
 
@@ -44089,13 +44075,6 @@
   <p:clrMapOvr>
     <a:masterClrMapping/>
   </p:clrMapOvr>
-  <p:timing>
-    <p:tnLst>
-      <p:par>
-        <p:cTn id="1" dur="indefinite" restart="never" nodeType="tmRoot"/>
-      </p:par>
-    </p:tnLst>
-  </p:timing>
 </p:sld>
 </file>
 
